--- a/results/DiscoGAN/Overall.pptx
+++ b/results/DiscoGAN/Overall.pptx
@@ -4030,7 +4030,7 @@
       </p:pic>
       <p:pic>
         <p:nvPicPr>
-          <p:cNvPr id="6" name="Picture 5"/>
+          <p:cNvPr id="9" name="Picture 8"/>
           <p:cNvPicPr>
             <a:picLocks noChangeAspect="1"/>
           </p:cNvPicPr>
@@ -4038,36 +4038,6 @@
         </p:nvPicPr>
         <p:blipFill>
           <a:blip r:embed="rId5">
-            <a:extLst>
-              <a:ext uri="{28A0092B-C50C-407E-A947-70E740481C1C}">
-                <a14:useLocalDpi xmlns:a14="http://schemas.microsoft.com/office/drawing/2010/main" val="0"/>
-              </a:ext>
-            </a:extLst>
-          </a:blip>
-          <a:stretch>
-            <a:fillRect/>
-          </a:stretch>
-        </p:blipFill>
-        <p:spPr>
-          <a:xfrm>
-            <a:off x="6972361" y="463548"/>
-            <a:ext cx="2978582" cy="2913421"/>
-          </a:xfrm>
-          <a:prstGeom prst="rect">
-            <a:avLst/>
-          </a:prstGeom>
-        </p:spPr>
-      </p:pic>
-      <p:pic>
-        <p:nvPicPr>
-          <p:cNvPr id="9" name="Picture 8"/>
-          <p:cNvPicPr>
-            <a:picLocks noChangeAspect="1"/>
-          </p:cNvPicPr>
-          <p:nvPr/>
-        </p:nvPicPr>
-        <p:blipFill>
-          <a:blip r:embed="rId6">
             <a:extLst>
               <a:ext uri="{28A0092B-C50C-407E-A947-70E740481C1C}">
                 <a14:useLocalDpi xmlns:a14="http://schemas.microsoft.com/office/drawing/2010/main" val="0"/>
@@ -4090,7 +4060,36 @@
       </p:pic>
       <p:pic>
         <p:nvPicPr>
-          <p:cNvPr id="10" name="Picture 9"/>
+          <p:cNvPr id="4" name="Picture 3"/>
+          <p:cNvPicPr>
+            <a:picLocks noChangeAspect="1"/>
+          </p:cNvPicPr>
+          <p:nvPr/>
+        </p:nvPicPr>
+        <p:blipFill rotWithShape="1">
+          <a:blip r:embed="rId6">
+            <a:extLst>
+              <a:ext uri="{28A0092B-C50C-407E-A947-70E740481C1C}">
+                <a14:useLocalDpi xmlns:a14="http://schemas.microsoft.com/office/drawing/2010/main" val="0"/>
+              </a:ext>
+            </a:extLst>
+          </a:blip>
+          <a:srcRect l="33272" t="26576" r="18509" b="32942"/>
+          <a:stretch/>
+        </p:blipFill>
+        <p:spPr>
+          <a:xfrm>
+            <a:off x="627999" y="721235"/>
+            <a:ext cx="2549162" cy="2188219"/>
+          </a:xfrm>
+          <a:prstGeom prst="rect">
+            <a:avLst/>
+          </a:prstGeom>
+        </p:spPr>
+      </p:pic>
+      <p:pic>
+        <p:nvPicPr>
+          <p:cNvPr id="5" name="Picture 4"/>
           <p:cNvPicPr>
             <a:picLocks noChangeAspect="1"/>
           </p:cNvPicPr>
@@ -4104,13 +4103,13 @@
               </a:ext>
             </a:extLst>
           </a:blip>
-          <a:srcRect l="33140" t="24403" r="18483" b="32033"/>
+          <a:srcRect l="38026" t="30983" r="25276" b="35213"/>
           <a:stretch/>
         </p:blipFill>
         <p:spPr>
           <a:xfrm>
-            <a:off x="607474" y="826661"/>
-            <a:ext cx="2479740" cy="2283326"/>
+            <a:off x="997452" y="4197362"/>
+            <a:ext cx="1915812" cy="1804428"/>
           </a:xfrm>
           <a:prstGeom prst="rect">
             <a:avLst/>
@@ -4119,13 +4118,13 @@
       </p:pic>
       <p:pic>
         <p:nvPicPr>
-          <p:cNvPr id="11" name="Picture 10"/>
+          <p:cNvPr id="7" name="Picture 6"/>
           <p:cNvPicPr>
             <a:picLocks noChangeAspect="1"/>
           </p:cNvPicPr>
           <p:nvPr/>
         </p:nvPicPr>
-        <p:blipFill rotWithShape="1">
+        <p:blipFill>
           <a:blip r:embed="rId8">
             <a:extLst>
               <a:ext uri="{28A0092B-C50C-407E-A947-70E740481C1C}">
@@ -4133,13 +4132,14 @@
               </a:ext>
             </a:extLst>
           </a:blip>
-          <a:srcRect l="32150" t="27262" r="23785" b="32453"/>
-          <a:stretch/>
+          <a:stretch>
+            <a:fillRect/>
+          </a:stretch>
         </p:blipFill>
         <p:spPr>
           <a:xfrm>
-            <a:off x="969049" y="4277651"/>
-            <a:ext cx="1927996" cy="1802258"/>
+            <a:off x="6972360" y="514683"/>
+            <a:ext cx="2901574" cy="2838098"/>
           </a:xfrm>
           <a:prstGeom prst="rect">
             <a:avLst/>
